--- a/_PowerPoints/1st Semester/Unit 2 Polynomials/PreCalc_Day_015 2.3 and 2.4 Synthetic Division and Imaginary Numbers.pptx
+++ b/_PowerPoints/1st Semester/Unit 2 Polynomials/PreCalc_Day_015 2.3 and 2.4 Synthetic Division and Imaginary Numbers.pptx
@@ -297,7 +297,7 @@
             <a:fld id="{87DE6118-2437-4B30-8E3C-4D2BE6020583}" type="datetimeFigureOut">
               <a:rPr lang="en-US" dirty="0"/>
               <a:pPr/>
-              <a:t>10/2/2017</a:t>
+              <a:t>10/9/2018</a:t>
             </a:fld>
             <a:endParaRPr lang="en-US" dirty="0"/>
           </a:p>
@@ -623,7 +623,7 @@
           <a:p>
             <a:fld id="{87DE6118-2437-4B30-8E3C-4D2BE6020583}" type="datetimeFigureOut">
               <a:rPr lang="en-US" dirty="0"/>
-              <a:t>10/2/2017</a:t>
+              <a:t>10/9/2018</a:t>
             </a:fld>
             <a:endParaRPr lang="en-US" dirty="0"/>
           </a:p>
@@ -798,7 +798,7 @@
           <a:p>
             <a:fld id="{87DE6118-2437-4B30-8E3C-4D2BE6020583}" type="datetimeFigureOut">
               <a:rPr lang="en-US" dirty="0"/>
-              <a:t>10/2/2017</a:t>
+              <a:t>10/9/2018</a:t>
             </a:fld>
             <a:endParaRPr lang="en-US" dirty="0"/>
           </a:p>
@@ -963,7 +963,7 @@
           <a:p>
             <a:fld id="{87DE6118-2437-4B30-8E3C-4D2BE6020583}" type="datetimeFigureOut">
               <a:rPr lang="en-US" dirty="0"/>
-              <a:t>10/2/2017</a:t>
+              <a:t>10/9/2018</a:t>
             </a:fld>
             <a:endParaRPr lang="en-US" dirty="0"/>
           </a:p>
@@ -1236,7 +1236,7 @@
             <a:fld id="{87DE6118-2437-4B30-8E3C-4D2BE6020583}" type="datetimeFigureOut">
               <a:rPr lang="en-US" dirty="0"/>
               <a:pPr/>
-              <a:t>10/2/2017</a:t>
+              <a:t>10/9/2018</a:t>
             </a:fld>
             <a:endParaRPr lang="en-US" dirty="0"/>
           </a:p>
@@ -1626,7 +1626,7 @@
           <a:p>
             <a:fld id="{87DE6118-2437-4B30-8E3C-4D2BE6020583}" type="datetimeFigureOut">
               <a:rPr lang="en-US" dirty="0"/>
-              <a:t>10/2/2017</a:t>
+              <a:t>10/9/2018</a:t>
             </a:fld>
             <a:endParaRPr lang="en-US" dirty="0"/>
           </a:p>
@@ -2098,7 +2098,7 @@
           <a:p>
             <a:fld id="{87DE6118-2437-4B30-8E3C-4D2BE6020583}" type="datetimeFigureOut">
               <a:rPr lang="en-US" dirty="0"/>
-              <a:t>10/2/2017</a:t>
+              <a:t>10/9/2018</a:t>
             </a:fld>
             <a:endParaRPr lang="en-US" dirty="0"/>
           </a:p>
@@ -2211,7 +2211,7 @@
           <a:p>
             <a:fld id="{87DE6118-2437-4B30-8E3C-4D2BE6020583}" type="datetimeFigureOut">
               <a:rPr lang="en-US" dirty="0"/>
-              <a:t>10/2/2017</a:t>
+              <a:t>10/9/2018</a:t>
             </a:fld>
             <a:endParaRPr lang="en-US" dirty="0"/>
           </a:p>
@@ -2301,7 +2301,7 @@
           <a:p>
             <a:fld id="{87DE6118-2437-4B30-8E3C-4D2BE6020583}" type="datetimeFigureOut">
               <a:rPr lang="en-US" dirty="0"/>
-              <a:t>10/2/2017</a:t>
+              <a:t>10/9/2018</a:t>
             </a:fld>
             <a:endParaRPr lang="en-US" dirty="0"/>
           </a:p>
@@ -2643,7 +2643,7 @@
             <a:fld id="{87DE6118-2437-4B30-8E3C-4D2BE6020583}" type="datetimeFigureOut">
               <a:rPr lang="en-US" dirty="0"/>
               <a:pPr/>
-              <a:t>10/2/2017</a:t>
+              <a:t>10/9/2018</a:t>
             </a:fld>
             <a:endParaRPr lang="en-US" dirty="0"/>
           </a:p>
@@ -3028,7 +3028,7 @@
             <a:fld id="{87DE6118-2437-4B30-8E3C-4D2BE6020583}" type="datetimeFigureOut">
               <a:rPr lang="en-US" dirty="0"/>
               <a:pPr/>
-              <a:t>10/2/2017</a:t>
+              <a:t>10/9/2018</a:t>
             </a:fld>
             <a:endParaRPr lang="en-US" dirty="0"/>
           </a:p>
@@ -3303,7 +3303,7 @@
             <a:fld id="{87DE6118-2437-4B30-8E3C-4D2BE6020583}" type="datetimeFigureOut">
               <a:rPr lang="en-US" dirty="0"/>
               <a:pPr/>
-              <a:t>10/2/2017</a:t>
+              <a:t>10/9/2018</a:t>
             </a:fld>
             <a:endParaRPr lang="en-US" dirty="0"/>
           </a:p>
@@ -4105,7 +4105,7 @@
           <a:graphicData uri="http://schemas.openxmlformats.org/presentationml/2006/ole">
             <mc:AlternateContent xmlns:mc="http://schemas.openxmlformats.org/markup-compatibility/2006">
               <mc:Choice xmlns:v="urn:schemas-microsoft-com:vml" Requires="v">
-                <p:oleObj spid="_x0000_s3082" name="Equation" r:id="rId3" imgW="533334" imgH="216109" progId="Equation.3">
+                <p:oleObj spid="_x0000_s3083" name="Equation" r:id="rId3" imgW="533334" imgH="216109" progId="Equation.3">
                   <p:embed/>
                 </p:oleObj>
               </mc:Choice>
@@ -4454,11 +4454,7 @@
             </a:r>
             <a:r>
               <a:rPr lang="en-US" sz="2400" dirty="0" smtClean="0"/>
-              <a:t>48, </a:t>
-            </a:r>
-            <a:r>
-              <a:rPr lang="en-US" sz="2400" dirty="0" smtClean="0"/>
-              <a:t>51</a:t>
+              <a:t>48, 51</a:t>
             </a:r>
           </a:p>
           <a:p>
@@ -5020,7 +5016,7 @@
           <a:lstStyle/>
           <a:p>
             <a:r>
-              <a:rPr lang="en-US" sz="2400" dirty="0"/>
+              <a:rPr lang="en-US" sz="3400" dirty="0"/>
               <a:t>Page 146 #25, 29, 43, 47, 57, 97</a:t>
             </a:r>
           </a:p>
